--- a/Promotional material/Poster.pptx
+++ b/Promotional material/Poster.pptx
@@ -113,6 +113,10 @@
 </p:presentation>
 </file>
 
+<file path=ppt/revisionInfo.xml><?xml version="1.0" encoding="utf-8"?>
+<p1510:revInfo xmlns:a="http://schemas.openxmlformats.org/drawingml/2006/main" xmlns:r="http://schemas.openxmlformats.org/officeDocument/2006/relationships" xmlns:p1510="http://schemas.microsoft.com/office/powerpoint/2015/10/main"/>
+</file>
+
 <file path=ppt/slideLayouts/slideLayout1.xml><?xml version="1.0" encoding="utf-8"?>
 <p:sldLayout xmlns:a="http://schemas.openxmlformats.org/drawingml/2006/main" xmlns:r="http://schemas.openxmlformats.org/officeDocument/2006/relationships" xmlns:p="http://schemas.openxmlformats.org/presentationml/2006/main" type="title" preserve="1">
   <p:cSld name="Title Slide">
@@ -244,7 +248,7 @@
           <a:p>
             <a:fld id="{6D059434-9E57-4EB4-A4BB-D27D708FCCC5}" type="datetimeFigureOut">
               <a:rPr lang="en-AU" smtClean="0"/>
-              <a:t>23/10/2017</a:t>
+              <a:t>24/10/2017</a:t>
             </a:fld>
             <a:endParaRPr lang="en-AU"/>
           </a:p>
@@ -414,7 +418,7 @@
           <a:p>
             <a:fld id="{6D059434-9E57-4EB4-A4BB-D27D708FCCC5}" type="datetimeFigureOut">
               <a:rPr lang="en-AU" smtClean="0"/>
-              <a:t>23/10/2017</a:t>
+              <a:t>24/10/2017</a:t>
             </a:fld>
             <a:endParaRPr lang="en-AU"/>
           </a:p>
@@ -594,7 +598,7 @@
           <a:p>
             <a:fld id="{6D059434-9E57-4EB4-A4BB-D27D708FCCC5}" type="datetimeFigureOut">
               <a:rPr lang="en-AU" smtClean="0"/>
-              <a:t>23/10/2017</a:t>
+              <a:t>24/10/2017</a:t>
             </a:fld>
             <a:endParaRPr lang="en-AU"/>
           </a:p>
@@ -764,7 +768,7 @@
           <a:p>
             <a:fld id="{6D059434-9E57-4EB4-A4BB-D27D708FCCC5}" type="datetimeFigureOut">
               <a:rPr lang="en-AU" smtClean="0"/>
-              <a:t>23/10/2017</a:t>
+              <a:t>24/10/2017</a:t>
             </a:fld>
             <a:endParaRPr lang="en-AU"/>
           </a:p>
@@ -1008,7 +1012,7 @@
           <a:p>
             <a:fld id="{6D059434-9E57-4EB4-A4BB-D27D708FCCC5}" type="datetimeFigureOut">
               <a:rPr lang="en-AU" smtClean="0"/>
-              <a:t>23/10/2017</a:t>
+              <a:t>24/10/2017</a:t>
             </a:fld>
             <a:endParaRPr lang="en-AU"/>
           </a:p>
@@ -1240,7 +1244,7 @@
           <a:p>
             <a:fld id="{6D059434-9E57-4EB4-A4BB-D27D708FCCC5}" type="datetimeFigureOut">
               <a:rPr lang="en-AU" smtClean="0"/>
-              <a:t>23/10/2017</a:t>
+              <a:t>24/10/2017</a:t>
             </a:fld>
             <a:endParaRPr lang="en-AU"/>
           </a:p>
@@ -1607,7 +1611,7 @@
           <a:p>
             <a:fld id="{6D059434-9E57-4EB4-A4BB-D27D708FCCC5}" type="datetimeFigureOut">
               <a:rPr lang="en-AU" smtClean="0"/>
-              <a:t>23/10/2017</a:t>
+              <a:t>24/10/2017</a:t>
             </a:fld>
             <a:endParaRPr lang="en-AU"/>
           </a:p>
@@ -1725,7 +1729,7 @@
           <a:p>
             <a:fld id="{6D059434-9E57-4EB4-A4BB-D27D708FCCC5}" type="datetimeFigureOut">
               <a:rPr lang="en-AU" smtClean="0"/>
-              <a:t>23/10/2017</a:t>
+              <a:t>24/10/2017</a:t>
             </a:fld>
             <a:endParaRPr lang="en-AU"/>
           </a:p>
@@ -1820,7 +1824,7 @@
           <a:p>
             <a:fld id="{6D059434-9E57-4EB4-A4BB-D27D708FCCC5}" type="datetimeFigureOut">
               <a:rPr lang="en-AU" smtClean="0"/>
-              <a:t>23/10/2017</a:t>
+              <a:t>24/10/2017</a:t>
             </a:fld>
             <a:endParaRPr lang="en-AU"/>
           </a:p>
@@ -2097,7 +2101,7 @@
           <a:p>
             <a:fld id="{6D059434-9E57-4EB4-A4BB-D27D708FCCC5}" type="datetimeFigureOut">
               <a:rPr lang="en-AU" smtClean="0"/>
-              <a:t>23/10/2017</a:t>
+              <a:t>24/10/2017</a:t>
             </a:fld>
             <a:endParaRPr lang="en-AU"/>
           </a:p>
@@ -2354,7 +2358,7 @@
           <a:p>
             <a:fld id="{6D059434-9E57-4EB4-A4BB-D27D708FCCC5}" type="datetimeFigureOut">
               <a:rPr lang="en-AU" smtClean="0"/>
-              <a:t>23/10/2017</a:t>
+              <a:t>24/10/2017</a:t>
             </a:fld>
             <a:endParaRPr lang="en-AU"/>
           </a:p>
@@ -2567,7 +2571,7 @@
           <a:p>
             <a:fld id="{6D059434-9E57-4EB4-A4BB-D27D708FCCC5}" type="datetimeFigureOut">
               <a:rPr lang="en-AU" smtClean="0"/>
-              <a:t>23/10/2017</a:t>
+              <a:t>24/10/2017</a:t>
             </a:fld>
             <a:endParaRPr lang="en-AU"/>
           </a:p>
@@ -2974,10 +2978,10 @@
       </p:grpSpPr>
       <p:pic>
         <p:nvPicPr>
-          <p:cNvPr id="5" name="Picture 4">
+          <p:cNvPr id="2" name="Picture 1">
             <a:extLst>
               <a:ext uri="{FF2B5EF4-FFF2-40B4-BE49-F238E27FC236}">
-                <a16:creationId xmlns:a16="http://schemas.microsoft.com/office/drawing/2014/main" id="{36203700-3216-4526-9592-13874BCA9441}"/>
+                <a16:creationId xmlns:a16="http://schemas.microsoft.com/office/drawing/2014/main" id="{46B1C53E-F413-431C-AE16-B01FD94A6A4F}"/>
               </a:ext>
             </a:extLst>
           </p:cNvPr>
@@ -2994,7 +2998,7 @@
         </p:blipFill>
         <p:spPr>
           <a:xfrm>
-            <a:off x="-1" y="11934031"/>
+            <a:off x="0" y="11934031"/>
             <a:ext cx="15119350" cy="9449594"/>
           </a:xfrm>
           <a:prstGeom prst="rect">
@@ -3004,10 +3008,10 @@
       </p:pic>
       <p:pic>
         <p:nvPicPr>
-          <p:cNvPr id="6" name="Picture 5">
+          <p:cNvPr id="3" name="Picture 2">
             <a:extLst>
               <a:ext uri="{FF2B5EF4-FFF2-40B4-BE49-F238E27FC236}">
-                <a16:creationId xmlns:a16="http://schemas.microsoft.com/office/drawing/2014/main" id="{655B49AF-2B60-4207-9669-BFA6D2566D57}"/>
+                <a16:creationId xmlns:a16="http://schemas.microsoft.com/office/drawing/2014/main" id="{CD9A0F7B-D542-4D99-A3F4-E6443881ACD1}"/>
               </a:ext>
             </a:extLst>
           </p:cNvPr>
@@ -3024,8 +3028,8 @@
         </p:blipFill>
         <p:spPr>
           <a:xfrm>
-            <a:off x="0" y="7213180"/>
-            <a:ext cx="15119350" cy="6957263"/>
+            <a:off x="-1" y="7284575"/>
+            <a:ext cx="15119350" cy="5060782"/>
           </a:xfrm>
           <a:prstGeom prst="rect">
             <a:avLst/>
@@ -3034,10 +3038,10 @@
       </p:pic>
       <p:pic>
         <p:nvPicPr>
-          <p:cNvPr id="7" name="Picture 6">
+          <p:cNvPr id="11" name="Picture 10">
             <a:extLst>
               <a:ext uri="{FF2B5EF4-FFF2-40B4-BE49-F238E27FC236}">
-                <a16:creationId xmlns:a16="http://schemas.microsoft.com/office/drawing/2014/main" id="{E658D1EC-59DA-40CC-91B6-072451E897F9}"/>
+                <a16:creationId xmlns:a16="http://schemas.microsoft.com/office/drawing/2014/main" id="{4C3E9973-6FF1-4C2A-A6FB-7593624543E6}"/>
               </a:ext>
             </a:extLst>
           </p:cNvPr>
@@ -3054,8 +3058,8 @@
         </p:blipFill>
         <p:spPr>
           <a:xfrm>
-            <a:off x="-1" y="3089155"/>
-            <a:ext cx="15119350" cy="6957263"/>
+            <a:off x="0" y="2895763"/>
+            <a:ext cx="15119350" cy="5060782"/>
           </a:xfrm>
           <a:prstGeom prst="rect">
             <a:avLst/>
@@ -3064,10 +3068,10 @@
       </p:pic>
       <p:pic>
         <p:nvPicPr>
-          <p:cNvPr id="8" name="Picture 7">
+          <p:cNvPr id="12" name="Picture 11">
             <a:extLst>
               <a:ext uri="{FF2B5EF4-FFF2-40B4-BE49-F238E27FC236}">
-                <a16:creationId xmlns:a16="http://schemas.microsoft.com/office/drawing/2014/main" id="{11F0FD72-F1A8-4348-992F-7DD58864ABC4}"/>
+                <a16:creationId xmlns:a16="http://schemas.microsoft.com/office/drawing/2014/main" id="{7C56706B-C771-480F-BDDB-E53AD498D20D}"/>
               </a:ext>
             </a:extLst>
           </p:cNvPr>
@@ -3084,8 +3088,8 @@
         </p:blipFill>
         <p:spPr>
           <a:xfrm>
-            <a:off x="0" y="-2"/>
-            <a:ext cx="15119350" cy="6957263"/>
+            <a:off x="0" y="-86353"/>
+            <a:ext cx="15119350" cy="5060782"/>
           </a:xfrm>
           <a:prstGeom prst="rect">
             <a:avLst/>
@@ -3106,8 +3110,8 @@
         </p:nvSpPr>
         <p:spPr>
           <a:xfrm>
-            <a:off x="1" y="1129685"/>
-            <a:ext cx="15119349" cy="1015663"/>
+            <a:off x="-1" y="695481"/>
+            <a:ext cx="15119349" cy="1107996"/>
           </a:xfrm>
           <a:prstGeom prst="rect">
             <a:avLst/>
@@ -3122,13 +3126,18 @@
           <a:p>
             <a:pPr algn="ctr"/>
             <a:r>
-              <a:rPr lang="en-AU" sz="6000" b="1" dirty="0">
+              <a:rPr lang="en-AU" sz="6600" dirty="0">
                 <a:solidFill>
                   <a:schemeClr val="bg1"/>
                 </a:solidFill>
               </a:rPr>
-              <a:t>Codeverter</a:t>
-            </a:r>
+              <a:t>CODEVERTER</a:t>
+            </a:r>
+            <a:endParaRPr lang="en-AU" sz="6000" dirty="0">
+              <a:solidFill>
+                <a:schemeClr val="bg1"/>
+              </a:solidFill>
+            </a:endParaRPr>
           </a:p>
         </p:txBody>
       </p:sp>
@@ -3147,7 +3156,7 @@
         <p:spPr>
           <a:xfrm>
             <a:off x="665018" y="2444038"/>
-            <a:ext cx="6894656" cy="3877985"/>
+            <a:ext cx="6634140" cy="3939540"/>
           </a:xfrm>
           <a:prstGeom prst="rect">
             <a:avLst/>
@@ -3161,7 +3170,7 @@
           <a:lstStyle/>
           <a:p>
             <a:r>
-              <a:rPr lang="en-AU" sz="2000" dirty="0">
+              <a:rPr lang="en-AU" sz="2400" dirty="0">
                 <a:solidFill>
                   <a:schemeClr val="bg1"/>
                 </a:solidFill>
@@ -3170,7 +3179,7 @@
             </a:r>
           </a:p>
           <a:p>
-            <a:endParaRPr lang="en-AU" sz="1600" dirty="0">
+            <a:endParaRPr lang="en-AU" sz="800" dirty="0">
               <a:solidFill>
                 <a:schemeClr val="bg1"/>
               </a:solidFill>
@@ -3227,7 +3236,7 @@
         <p:spPr>
           <a:xfrm>
             <a:off x="665018" y="6620713"/>
-            <a:ext cx="6894656" cy="5232202"/>
+            <a:ext cx="6634140" cy="4031873"/>
           </a:xfrm>
           <a:prstGeom prst="rect">
             <a:avLst/>
@@ -3241,16 +3250,16 @@
           <a:lstStyle/>
           <a:p>
             <a:r>
-              <a:rPr lang="en-AU" sz="2000" dirty="0">
+              <a:rPr lang="en-AU" sz="2400" dirty="0">
                 <a:solidFill>
                   <a:schemeClr val="bg1"/>
                 </a:solidFill>
               </a:rPr>
-              <a:t>The solution:</a:t>
-            </a:r>
-          </a:p>
-          <a:p>
-            <a:endParaRPr lang="en-AU" sz="1600" dirty="0">
+              <a:t>Our solution:</a:t>
+            </a:r>
+          </a:p>
+          <a:p>
+            <a:endParaRPr lang="en-AU" sz="800" dirty="0">
               <a:solidFill>
                 <a:schemeClr val="bg1"/>
               </a:solidFill>
@@ -3271,21 +3280,8 @@
                   <a:schemeClr val="bg1"/>
                 </a:solidFill>
               </a:rPr>
-              <a:t> is the concept we have prototyped. A web-based application targeting primary school aged children between years 3 and 6, with an older student age range being a potential stretch goal. The focus is to make the classroom environment an engaging and social </a:t>
-            </a:r>
-            <a:r>
-              <a:rPr lang="en-AU" sz="1600">
-                <a:solidFill>
-                  <a:schemeClr val="bg1"/>
-                </a:solidFill>
-              </a:rPr>
-              <a:t>learning environment.</a:t>
-            </a:r>
-            <a:endParaRPr lang="en-AU" sz="1600" dirty="0">
-              <a:solidFill>
-                <a:schemeClr val="bg1"/>
-              </a:solidFill>
-            </a:endParaRPr>
+              <a:t> is the concept we have prototyped. A web-based application to be used in primary school classes between the years 3 and 6, with an older student age range being a potential stretch goal. The focus is to make the classroom environment an engaging and social learning environment.</a:t>
+            </a:r>
           </a:p>
           <a:p>
             <a:endParaRPr lang="en-AU" sz="1600" dirty="0">
@@ -3328,6 +3324,136 @@
             </a:endParaRPr>
           </a:p>
           <a:p>
+            <a:r>
+              <a:rPr lang="en-AU" sz="1600" dirty="0">
+                <a:solidFill>
+                  <a:schemeClr val="bg1"/>
+                </a:solidFill>
+              </a:rPr>
+              <a:t>What is innovative about </a:t>
+            </a:r>
+            <a:r>
+              <a:rPr lang="en-AU" sz="1600" dirty="0" err="1">
+                <a:solidFill>
+                  <a:schemeClr val="bg1"/>
+                </a:solidFill>
+              </a:rPr>
+              <a:t>Codeverter</a:t>
+            </a:r>
+            <a:r>
+              <a:rPr lang="en-AU" sz="1600" dirty="0">
+                <a:solidFill>
+                  <a:schemeClr val="bg1"/>
+                </a:solidFill>
+              </a:rPr>
+              <a:t> is the emphasis on the social side of learning. The games are focused around group activities and class competitions to engage students better.</a:t>
+            </a:r>
+            <a:endParaRPr lang="en-AU" dirty="0">
+              <a:solidFill>
+                <a:schemeClr val="bg1"/>
+              </a:solidFill>
+            </a:endParaRPr>
+          </a:p>
+        </p:txBody>
+      </p:sp>
+      <p:pic>
+        <p:nvPicPr>
+          <p:cNvPr id="14" name="Picture 13">
+            <a:extLst>
+              <a:ext uri="{FF2B5EF4-FFF2-40B4-BE49-F238E27FC236}">
+                <a16:creationId xmlns:a16="http://schemas.microsoft.com/office/drawing/2014/main" id="{5634AD31-07F2-4D69-A106-8D654A14F08D}"/>
+              </a:ext>
+            </a:extLst>
+          </p:cNvPr>
+          <p:cNvPicPr>
+            <a:picLocks noChangeAspect="1"/>
+          </p:cNvPicPr>
+          <p:nvPr/>
+        </p:nvPicPr>
+        <p:blipFill>
+          <a:blip r:embed="rId4"/>
+          <a:stretch>
+            <a:fillRect/>
+          </a:stretch>
+        </p:blipFill>
+        <p:spPr>
+          <a:xfrm>
+            <a:off x="7915275" y="2457836"/>
+            <a:ext cx="6848474" cy="3850387"/>
+          </a:xfrm>
+          <a:prstGeom prst="rect">
+            <a:avLst/>
+          </a:prstGeom>
+        </p:spPr>
+      </p:pic>
+      <p:pic>
+        <p:nvPicPr>
+          <p:cNvPr id="16" name="Picture 15">
+            <a:extLst>
+              <a:ext uri="{FF2B5EF4-FFF2-40B4-BE49-F238E27FC236}">
+                <a16:creationId xmlns:a16="http://schemas.microsoft.com/office/drawing/2014/main" id="{0D4D093A-EE45-40D9-A54C-ECAB223F940D}"/>
+              </a:ext>
+            </a:extLst>
+          </p:cNvPr>
+          <p:cNvPicPr>
+            <a:picLocks noChangeAspect="1"/>
+          </p:cNvPicPr>
+          <p:nvPr/>
+        </p:nvPicPr>
+        <p:blipFill>
+          <a:blip r:embed="rId5"/>
+          <a:stretch>
+            <a:fillRect/>
+          </a:stretch>
+        </p:blipFill>
+        <p:spPr>
+          <a:xfrm>
+            <a:off x="7869092" y="8437287"/>
+            <a:ext cx="6848473" cy="3850386"/>
+          </a:xfrm>
+          <a:prstGeom prst="rect">
+            <a:avLst/>
+          </a:prstGeom>
+        </p:spPr>
+      </p:pic>
+      <p:sp>
+        <p:nvSpPr>
+          <p:cNvPr id="18" name="TextBox 17">
+            <a:extLst>
+              <a:ext uri="{FF2B5EF4-FFF2-40B4-BE49-F238E27FC236}">
+                <a16:creationId xmlns:a16="http://schemas.microsoft.com/office/drawing/2014/main" id="{F4AFD72D-CE99-47A3-B367-F20B1C4AB889}"/>
+              </a:ext>
+            </a:extLst>
+          </p:cNvPr>
+          <p:cNvSpPr txBox="1"/>
+          <p:nvPr/>
+        </p:nvSpPr>
+        <p:spPr>
+          <a:xfrm>
+            <a:off x="7869092" y="6587925"/>
+            <a:ext cx="6894656" cy="1569660"/>
+          </a:xfrm>
+          <a:prstGeom prst="rect">
+            <a:avLst/>
+          </a:prstGeom>
+          <a:noFill/>
+        </p:spPr>
+        <p:txBody>
+          <a:bodyPr wrap="square" rtlCol="0">
+            <a:spAutoFit/>
+          </a:bodyPr>
+          <a:lstStyle/>
+          <a:p>
+            <a:r>
+              <a:rPr lang="en-AU" sz="1600" dirty="0">
+                <a:solidFill>
+                  <a:schemeClr val="bg1"/>
+                </a:solidFill>
+              </a:rPr>
+              <a:t>For the prototype, we’ve left out a secure login system, and have simple Teacher and Student portals for testing our concept.</a:t>
+            </a:r>
+          </a:p>
+          <a:p>
             <a:endParaRPr lang="en-AU" sz="1600" dirty="0">
               <a:solidFill>
                 <a:schemeClr val="bg1"/>
@@ -3335,6 +3461,55 @@
             </a:endParaRPr>
           </a:p>
           <a:p>
+            <a:r>
+              <a:rPr lang="en-AU" sz="1600" dirty="0">
+                <a:solidFill>
+                  <a:schemeClr val="bg1"/>
+                </a:solidFill>
+              </a:rPr>
+              <a:t>Teachers are directed to a screen that shows them the lesson plan for the session, and allows them to choose from two games, a Maze game and a Spaceship game.</a:t>
+            </a:r>
+          </a:p>
+        </p:txBody>
+      </p:sp>
+      <p:sp>
+        <p:nvSpPr>
+          <p:cNvPr id="19" name="TextBox 18">
+            <a:extLst>
+              <a:ext uri="{FF2B5EF4-FFF2-40B4-BE49-F238E27FC236}">
+                <a16:creationId xmlns:a16="http://schemas.microsoft.com/office/drawing/2014/main" id="{D392838B-72C2-4692-8C60-BC9C5A0605D4}"/>
+              </a:ext>
+            </a:extLst>
+          </p:cNvPr>
+          <p:cNvSpPr txBox="1"/>
+          <p:nvPr/>
+        </p:nvSpPr>
+        <p:spPr>
+          <a:xfrm>
+            <a:off x="7822909" y="12625059"/>
+            <a:ext cx="6894656" cy="3539430"/>
+          </a:xfrm>
+          <a:prstGeom prst="rect">
+            <a:avLst/>
+          </a:prstGeom>
+          <a:noFill/>
+        </p:spPr>
+        <p:txBody>
+          <a:bodyPr wrap="square" rtlCol="0">
+            <a:spAutoFit/>
+          </a:bodyPr>
+          <a:lstStyle/>
+          <a:p>
+            <a:r>
+              <a:rPr lang="en-AU" sz="1600" dirty="0">
+                <a:solidFill>
+                  <a:schemeClr val="bg1"/>
+                </a:solidFill>
+              </a:rPr>
+              <a:t>The Teacher screen for this prototype will show a large Maze map for the duration of the game, and up to 4 players can join the game in a race to the centre of the map!</a:t>
+            </a:r>
+          </a:p>
+          <a:p>
             <a:endParaRPr lang="en-AU" sz="1600" dirty="0">
               <a:solidFill>
                 <a:schemeClr val="bg1"/>
@@ -3343,53 +3518,113 @@
           </a:p>
           <a:p>
             <a:r>
-              <a:rPr lang="en-AU" dirty="0">
+              <a:rPr lang="en-AU" sz="1600" dirty="0">
                 <a:solidFill>
                   <a:schemeClr val="bg1"/>
                 </a:solidFill>
               </a:rPr>
-              <a:t>our problem space, idea and abridged process</a:t>
-            </a:r>
-          </a:p>
-          <a:p>
-            <a:r>
-              <a:rPr lang="en-AU" dirty="0">
+              <a:t>The Student screens give students a range of coding problems they must solve in order to get “moves” which allow them to move around the maze in a race to the centre of the board!</a:t>
+            </a:r>
+          </a:p>
+          <a:p>
+            <a:endParaRPr lang="en-AU" sz="1600" dirty="0">
+              <a:solidFill>
+                <a:schemeClr val="bg1"/>
+              </a:solidFill>
+            </a:endParaRPr>
+          </a:p>
+          <a:p>
+            <a:r>
+              <a:rPr lang="en-AU" sz="1600" dirty="0">
                 <a:solidFill>
                   <a:schemeClr val="bg1"/>
                 </a:solidFill>
               </a:rPr>
-              <a:t>Problem it solves</a:t>
-            </a:r>
-          </a:p>
-          <a:p>
-            <a:r>
-              <a:rPr lang="en-AU" dirty="0">
+              <a:t>There will be more problems when the</a:t>
+            </a:r>
+          </a:p>
+          <a:p>
+            <a:r>
+              <a:rPr lang="en-AU" sz="1600" dirty="0">
                 <a:solidFill>
                   <a:schemeClr val="bg1"/>
                 </a:solidFill>
               </a:rPr>
-              <a:t>What makes it unique</a:t>
-            </a:r>
-          </a:p>
-          <a:p>
-            <a:endParaRPr lang="en-AU" dirty="0">
-              <a:solidFill>
-                <a:schemeClr val="bg1"/>
-              </a:solidFill>
-            </a:endParaRPr>
-          </a:p>
-          <a:p>
-            <a:r>
-              <a:rPr lang="en-AU" dirty="0">
+              <a:t>program is further developed, but for</a:t>
+            </a:r>
+          </a:p>
+          <a:p>
+            <a:r>
+              <a:rPr lang="en-AU" sz="1600" dirty="0">
                 <a:solidFill>
                   <a:schemeClr val="bg1"/>
                 </a:solidFill>
               </a:rPr>
-              <a:t>Explain how product work and why it is innovative</a:t>
-            </a:r>
-          </a:p>
-        </p:txBody>
-      </p:sp>
+              <a:t>the prototype, we have chosen to only</a:t>
+            </a:r>
+          </a:p>
+          <a:p>
+            <a:r>
+              <a:rPr lang="en-AU" sz="1600" dirty="0">
+                <a:solidFill>
+                  <a:schemeClr val="bg1"/>
+                </a:solidFill>
+              </a:rPr>
+              <a:t>include one problem as this sufficiently</a:t>
+            </a:r>
+          </a:p>
+          <a:p>
+            <a:r>
+              <a:rPr lang="en-AU" sz="1600" dirty="0">
+                <a:solidFill>
+                  <a:schemeClr val="bg1"/>
+                </a:solidFill>
+              </a:rPr>
+              <a:t>demonstrates the concept in order to</a:t>
+            </a:r>
+          </a:p>
+          <a:p>
+            <a:r>
+              <a:rPr lang="en-AU" sz="1600" dirty="0">
+                <a:solidFill>
+                  <a:schemeClr val="bg1"/>
+                </a:solidFill>
+              </a:rPr>
+              <a:t>test the social aspect of the games.</a:t>
+            </a:r>
+          </a:p>
+        </p:txBody>
+      </p:sp>
+      <p:pic>
+        <p:nvPicPr>
+          <p:cNvPr id="20" name="Picture 19">
+            <a:extLst>
+              <a:ext uri="{FF2B5EF4-FFF2-40B4-BE49-F238E27FC236}">
+                <a16:creationId xmlns:a16="http://schemas.microsoft.com/office/drawing/2014/main" id="{B429A45C-4E92-42D4-B745-334C8A1C928C}"/>
+              </a:ext>
+            </a:extLst>
+          </p:cNvPr>
+          <p:cNvPicPr>
+            <a:picLocks noChangeAspect="1"/>
+          </p:cNvPicPr>
+          <p:nvPr/>
+        </p:nvPicPr>
+        <p:blipFill>
+          <a:blip r:embed="rId6"/>
+          <a:stretch>
+            <a:fillRect/>
+          </a:stretch>
+        </p:blipFill>
+        <p:spPr>
+          <a:xfrm>
+            <a:off x="11231415" y="14440941"/>
+            <a:ext cx="3486150" cy="2886075"/>
+          </a:xfrm>
+          <a:prstGeom prst="rect">
+            <a:avLst/>
+          </a:prstGeom>
+        </p:spPr>
+      </p:pic>
     </p:spTree>
     <p:extLst>
       <p:ext uri="{BB962C8B-B14F-4D97-AF65-F5344CB8AC3E}">
@@ -3420,130 +3655,109 @@
           <a:chExt cx="0" cy="0"/>
         </a:xfrm>
       </p:grpSpPr>
-      <p:pic>
-        <p:nvPicPr>
-          <p:cNvPr id="2" name="Picture 1">
+      <p:sp>
+        <p:nvSpPr>
+          <p:cNvPr id="2" name="Title 1">
             <a:extLst>
               <a:ext uri="{FF2B5EF4-FFF2-40B4-BE49-F238E27FC236}">
-                <a16:creationId xmlns:a16="http://schemas.microsoft.com/office/drawing/2014/main" id="{8378F77F-C970-4730-B578-B88B6BDDF681}"/>
+                <a16:creationId xmlns:a16="http://schemas.microsoft.com/office/drawing/2014/main" id="{8D1FA8BF-B921-4A15-B8C1-92F351B5319D}"/>
               </a:ext>
             </a:extLst>
           </p:cNvPr>
-          <p:cNvPicPr>
-            <a:picLocks noChangeAspect="1"/>
-          </p:cNvPicPr>
-          <p:nvPr/>
-        </p:nvPicPr>
-        <p:blipFill>
-          <a:blip r:embed="rId2"/>
-          <a:stretch>
-            <a:fillRect/>
-          </a:stretch>
-        </p:blipFill>
-        <p:spPr>
-          <a:xfrm>
-            <a:off x="0" y="11934031"/>
-            <a:ext cx="15119350" cy="9449594"/>
-          </a:xfrm>
-          <a:prstGeom prst="rect">
-            <a:avLst/>
-          </a:prstGeom>
-        </p:spPr>
-      </p:pic>
-      <p:pic>
-        <p:nvPicPr>
-          <p:cNvPr id="3" name="Picture 2">
+          <p:cNvSpPr>
+            <a:spLocks noGrp="1"/>
+          </p:cNvSpPr>
+          <p:nvPr>
+            <p:ph type="title"/>
+          </p:nvPr>
+        </p:nvSpPr>
+        <p:spPr/>
+        <p:txBody>
+          <a:bodyPr/>
+          <a:lstStyle/>
+          <a:p>
+            <a:endParaRPr lang="en-AU"/>
+          </a:p>
+        </p:txBody>
+      </p:sp>
+      <p:sp>
+        <p:nvSpPr>
+          <p:cNvPr id="3" name="Content Placeholder 2">
             <a:extLst>
               <a:ext uri="{FF2B5EF4-FFF2-40B4-BE49-F238E27FC236}">
-                <a16:creationId xmlns:a16="http://schemas.microsoft.com/office/drawing/2014/main" id="{AED86870-20FD-4D63-A78A-BD1B8F809C6E}"/>
+                <a16:creationId xmlns:a16="http://schemas.microsoft.com/office/drawing/2014/main" id="{A7006EA4-0387-48B0-A205-CDF664A14CC2}"/>
               </a:ext>
             </a:extLst>
           </p:cNvPr>
-          <p:cNvPicPr>
-            <a:picLocks noChangeAspect="1"/>
-          </p:cNvPicPr>
-          <p:nvPr/>
-        </p:nvPicPr>
-        <p:blipFill>
-          <a:blip r:embed="rId3"/>
-          <a:stretch>
-            <a:fillRect/>
-          </a:stretch>
-        </p:blipFill>
-        <p:spPr>
-          <a:xfrm>
-            <a:off x="0" y="8381911"/>
-            <a:ext cx="15119350" cy="4619802"/>
-          </a:xfrm>
-          <a:prstGeom prst="rect">
-            <a:avLst/>
-          </a:prstGeom>
-        </p:spPr>
-      </p:pic>
-      <p:pic>
-        <p:nvPicPr>
-          <p:cNvPr id="10" name="Picture 9">
-            <a:extLst>
-              <a:ext uri="{FF2B5EF4-FFF2-40B4-BE49-F238E27FC236}">
-                <a16:creationId xmlns:a16="http://schemas.microsoft.com/office/drawing/2014/main" id="{98A06C10-8E59-4ED2-A2B3-4EDEC9F10273}"/>
-              </a:ext>
-            </a:extLst>
-          </p:cNvPr>
-          <p:cNvPicPr>
-            <a:picLocks noChangeAspect="1"/>
-          </p:cNvPicPr>
-          <p:nvPr/>
-        </p:nvPicPr>
-        <p:blipFill>
-          <a:blip r:embed="rId3"/>
-          <a:stretch>
-            <a:fillRect/>
-          </a:stretch>
-        </p:blipFill>
-        <p:spPr>
-          <a:xfrm>
-            <a:off x="0" y="4294820"/>
-            <a:ext cx="15119350" cy="4619802"/>
-          </a:xfrm>
-          <a:prstGeom prst="rect">
-            <a:avLst/>
-          </a:prstGeom>
-        </p:spPr>
-      </p:pic>
-      <p:pic>
-        <p:nvPicPr>
-          <p:cNvPr id="11" name="Picture 10">
-            <a:extLst>
-              <a:ext uri="{FF2B5EF4-FFF2-40B4-BE49-F238E27FC236}">
-                <a16:creationId xmlns:a16="http://schemas.microsoft.com/office/drawing/2014/main" id="{51C256B2-A455-4D0E-AF76-6B684A6F7554}"/>
-              </a:ext>
-            </a:extLst>
-          </p:cNvPr>
-          <p:cNvPicPr>
-            <a:picLocks noChangeAspect="1"/>
-          </p:cNvPicPr>
-          <p:nvPr/>
-        </p:nvPicPr>
-        <p:blipFill>
-          <a:blip r:embed="rId3"/>
-          <a:stretch>
-            <a:fillRect/>
-          </a:stretch>
-        </p:blipFill>
-        <p:spPr>
-          <a:xfrm>
-            <a:off x="0" y="-148770"/>
-            <a:ext cx="15119350" cy="4619802"/>
-          </a:xfrm>
-          <a:prstGeom prst="rect">
-            <a:avLst/>
-          </a:prstGeom>
-        </p:spPr>
-      </p:pic>
+          <p:cNvSpPr>
+            <a:spLocks noGrp="1"/>
+          </p:cNvSpPr>
+          <p:nvPr>
+            <p:ph idx="1"/>
+          </p:nvPr>
+        </p:nvSpPr>
+        <p:spPr/>
+        <p:txBody>
+          <a:bodyPr/>
+          <a:lstStyle/>
+          <a:p>
+            <a:r>
+              <a:rPr lang="en-AU" dirty="0"/>
+              <a:t>The poster should be a conference poster - this requires more information than your usual promotional poster and should highlight </a:t>
+            </a:r>
+            <a:r>
+              <a:rPr lang="en-AU" b="1" dirty="0"/>
+              <a:t>the theoretical background/considerations and design process undertaken in addition to describing your solution.</a:t>
+            </a:r>
+          </a:p>
+          <a:p>
+            <a:r>
+              <a:rPr lang="en-AU" dirty="0"/>
+              <a:t>You should describe the domain,</a:t>
+            </a:r>
+          </a:p>
+          <a:p>
+            <a:r>
+              <a:rPr lang="en-AU" dirty="0"/>
+              <a:t>the particular challenge that you are addressing</a:t>
+            </a:r>
+          </a:p>
+          <a:p>
+            <a:r>
+              <a:rPr lang="en-AU" dirty="0"/>
+              <a:t> your solution (the ideal thing),</a:t>
+            </a:r>
+          </a:p>
+          <a:p>
+            <a:r>
+              <a:rPr lang="en-AU" dirty="0"/>
+              <a:t>your representation of the solution (what you ended up with),</a:t>
+            </a:r>
+          </a:p>
+          <a:p>
+            <a:r>
+              <a:rPr lang="en-AU" dirty="0"/>
+              <a:t>the research/design process that got you to where you are now</a:t>
+            </a:r>
+          </a:p>
+          <a:p>
+            <a:r>
+              <a:rPr lang="en-AU" dirty="0"/>
+              <a:t>&amp; future work (acknowledging that your final outcome is a prototype/proof of concept).</a:t>
+            </a:r>
+          </a:p>
+          <a:p>
+            <a:r>
+              <a:rPr lang="en-AU" dirty="0"/>
+              <a:t>A conference poster is allowed to be text-heavy but do consider using dot-points &amp; images to help illustrate your project</a:t>
+            </a:r>
+          </a:p>
+        </p:txBody>
+      </p:sp>
     </p:spTree>
     <p:extLst>
       <p:ext uri="{BB962C8B-B14F-4D97-AF65-F5344CB8AC3E}">
-        <p14:creationId xmlns:p14="http://schemas.microsoft.com/office/powerpoint/2010/main" val="1901699942"/>
+        <p14:creationId xmlns:p14="http://schemas.microsoft.com/office/powerpoint/2010/main" val="3214411887"/>
       </p:ext>
     </p:extLst>
   </p:cSld>

--- a/Promotional material/Poster.pptx
+++ b/Promotional material/Poster.pptx
@@ -6,7 +6,6 @@
   </p:sldMasterIdLst>
   <p:sldIdLst>
     <p:sldId id="256" r:id="rId2"/>
-    <p:sldId id="257" r:id="rId3"/>
   </p:sldIdLst>
   <p:sldSz cx="15119350" cy="21383625"/>
   <p:notesSz cx="6858000" cy="9144000"/>
@@ -248,7 +247,7 @@
           <a:p>
             <a:fld id="{6D059434-9E57-4EB4-A4BB-D27D708FCCC5}" type="datetimeFigureOut">
               <a:rPr lang="en-AU" smtClean="0"/>
-              <a:t>24/10/2017</a:t>
+              <a:t>25/10/2017</a:t>
             </a:fld>
             <a:endParaRPr lang="en-AU"/>
           </a:p>
@@ -418,7 +417,7 @@
           <a:p>
             <a:fld id="{6D059434-9E57-4EB4-A4BB-D27D708FCCC5}" type="datetimeFigureOut">
               <a:rPr lang="en-AU" smtClean="0"/>
-              <a:t>24/10/2017</a:t>
+              <a:t>25/10/2017</a:t>
             </a:fld>
             <a:endParaRPr lang="en-AU"/>
           </a:p>
@@ -598,7 +597,7 @@
           <a:p>
             <a:fld id="{6D059434-9E57-4EB4-A4BB-D27D708FCCC5}" type="datetimeFigureOut">
               <a:rPr lang="en-AU" smtClean="0"/>
-              <a:t>24/10/2017</a:t>
+              <a:t>25/10/2017</a:t>
             </a:fld>
             <a:endParaRPr lang="en-AU"/>
           </a:p>
@@ -768,7 +767,7 @@
           <a:p>
             <a:fld id="{6D059434-9E57-4EB4-A4BB-D27D708FCCC5}" type="datetimeFigureOut">
               <a:rPr lang="en-AU" smtClean="0"/>
-              <a:t>24/10/2017</a:t>
+              <a:t>25/10/2017</a:t>
             </a:fld>
             <a:endParaRPr lang="en-AU"/>
           </a:p>
@@ -1012,7 +1011,7 @@
           <a:p>
             <a:fld id="{6D059434-9E57-4EB4-A4BB-D27D708FCCC5}" type="datetimeFigureOut">
               <a:rPr lang="en-AU" smtClean="0"/>
-              <a:t>24/10/2017</a:t>
+              <a:t>25/10/2017</a:t>
             </a:fld>
             <a:endParaRPr lang="en-AU"/>
           </a:p>
@@ -1244,7 +1243,7 @@
           <a:p>
             <a:fld id="{6D059434-9E57-4EB4-A4BB-D27D708FCCC5}" type="datetimeFigureOut">
               <a:rPr lang="en-AU" smtClean="0"/>
-              <a:t>24/10/2017</a:t>
+              <a:t>25/10/2017</a:t>
             </a:fld>
             <a:endParaRPr lang="en-AU"/>
           </a:p>
@@ -1611,7 +1610,7 @@
           <a:p>
             <a:fld id="{6D059434-9E57-4EB4-A4BB-D27D708FCCC5}" type="datetimeFigureOut">
               <a:rPr lang="en-AU" smtClean="0"/>
-              <a:t>24/10/2017</a:t>
+              <a:t>25/10/2017</a:t>
             </a:fld>
             <a:endParaRPr lang="en-AU"/>
           </a:p>
@@ -1729,7 +1728,7 @@
           <a:p>
             <a:fld id="{6D059434-9E57-4EB4-A4BB-D27D708FCCC5}" type="datetimeFigureOut">
               <a:rPr lang="en-AU" smtClean="0"/>
-              <a:t>24/10/2017</a:t>
+              <a:t>25/10/2017</a:t>
             </a:fld>
             <a:endParaRPr lang="en-AU"/>
           </a:p>
@@ -1824,7 +1823,7 @@
           <a:p>
             <a:fld id="{6D059434-9E57-4EB4-A4BB-D27D708FCCC5}" type="datetimeFigureOut">
               <a:rPr lang="en-AU" smtClean="0"/>
-              <a:t>24/10/2017</a:t>
+              <a:t>25/10/2017</a:t>
             </a:fld>
             <a:endParaRPr lang="en-AU"/>
           </a:p>
@@ -2101,7 +2100,7 @@
           <a:p>
             <a:fld id="{6D059434-9E57-4EB4-A4BB-D27D708FCCC5}" type="datetimeFigureOut">
               <a:rPr lang="en-AU" smtClean="0"/>
-              <a:t>24/10/2017</a:t>
+              <a:t>25/10/2017</a:t>
             </a:fld>
             <a:endParaRPr lang="en-AU"/>
           </a:p>
@@ -2358,7 +2357,7 @@
           <a:p>
             <a:fld id="{6D059434-9E57-4EB4-A4BB-D27D708FCCC5}" type="datetimeFigureOut">
               <a:rPr lang="en-AU" smtClean="0"/>
-              <a:t>24/10/2017</a:t>
+              <a:t>25/10/2017</a:t>
             </a:fld>
             <a:endParaRPr lang="en-AU"/>
           </a:p>
@@ -2571,7 +2570,7 @@
           <a:p>
             <a:fld id="{6D059434-9E57-4EB4-A4BB-D27D708FCCC5}" type="datetimeFigureOut">
               <a:rPr lang="en-AU" smtClean="0"/>
-              <a:t>24/10/2017</a:t>
+              <a:t>25/10/2017</a:t>
             </a:fld>
             <a:endParaRPr lang="en-AU"/>
           </a:p>
@@ -3156,7 +3155,7 @@
         <p:spPr>
           <a:xfrm>
             <a:off x="665018" y="2444038"/>
-            <a:ext cx="6634140" cy="3939540"/>
+            <a:ext cx="6634140" cy="4308872"/>
           </a:xfrm>
           <a:prstGeom prst="rect">
             <a:avLst/>
@@ -3209,7 +3208,7 @@
                   <a:schemeClr val="bg1"/>
                 </a:solidFill>
               </a:rPr>
-              <a:t>However, when trying to do so, we are faced with a few challenges. It’s not easy to get young people to not only learn such complex concepts, but also get them to take interest in programming. And, not all teachers are equipped with the skills to teach programming.</a:t>
+              <a:t>However, when trying to do so, we are faced with a few challenges. It’s not easy to get young people to not only learn such complex concepts, but also get them to take interest in programming. And, not all teachers are equipped with the skills to teach programming. There needs to be a resource that inexperienced teachers can use to aid the classroom, that will engage primary school aged students.</a:t>
             </a:r>
           </a:p>
           <a:p>
@@ -3235,8 +3234,8 @@
         </p:nvSpPr>
         <p:spPr>
           <a:xfrm>
-            <a:off x="665018" y="6620713"/>
-            <a:ext cx="6634140" cy="4031873"/>
+            <a:off x="665018" y="6752910"/>
+            <a:ext cx="6634140" cy="8463855"/>
           </a:xfrm>
           <a:prstGeom prst="rect">
             <a:avLst/>
@@ -3267,20 +3266,12 @@
           </a:p>
           <a:p>
             <a:r>
-              <a:rPr lang="en-AU" sz="1600" dirty="0" err="1">
+              <a:rPr lang="en-AU" sz="1600" dirty="0">
                 <a:solidFill>
                   <a:schemeClr val="bg1"/>
                 </a:solidFill>
               </a:rPr>
-              <a:t>Codeverter</a:t>
-            </a:r>
-            <a:r>
-              <a:rPr lang="en-AU" sz="1600" dirty="0">
-                <a:solidFill>
-                  <a:schemeClr val="bg1"/>
-                </a:solidFill>
-              </a:rPr>
-              <a:t> is the concept we have prototyped. A web-based application to be used in primary school classes between the years 3 and 6, with an older student age range being a potential stretch goal. The focus is to make the classroom environment an engaging and social learning environment.</a:t>
+              <a:t>We started off with the idea of making a web application that students can use to effectively “Google” search coding problems, with search results returning functional code. As we developed this concept further, we decided to steer more towards a game-based system that would also teach students programming concepts.</a:t>
             </a:r>
           </a:p>
           <a:p>
@@ -3297,7 +3288,7 @@
                   <a:schemeClr val="bg1"/>
                 </a:solidFill>
               </a:rPr>
-              <a:t>The goal of </a:t>
+              <a:t>Our final design is a web based application to be used in ICT classrooms for students in years 3 through to 6. As the primary idea is to make the classroom environment an engaging and social learning environment, </a:t>
             </a:r>
             <a:r>
               <a:rPr lang="en-AU" sz="1600" dirty="0" err="1">
@@ -3313,7 +3304,7 @@
                   <a:schemeClr val="bg1"/>
                 </a:solidFill>
               </a:rPr>
-              <a:t>, teaching children coding principles in an engaging and social way, is achieved through several games. Teachers can choose a game, difficulty level, and many other settings to personalise the game according to the needs of the class. Students can also choose to individually practise games or coding exercises.</a:t>
+              <a:t> does this through many different types of games that classes can play either individually or in groups, but always competing against either the rest of the class, or another class.</a:t>
             </a:r>
           </a:p>
           <a:p>
@@ -3330,29 +3321,107 @@
                   <a:schemeClr val="bg1"/>
                 </a:solidFill>
               </a:rPr>
-              <a:t>What is innovative about </a:t>
-            </a:r>
-            <a:r>
-              <a:rPr lang="en-AU" sz="1600" dirty="0" err="1">
-                <a:solidFill>
-                  <a:schemeClr val="bg1"/>
-                </a:solidFill>
-              </a:rPr>
-              <a:t>Codeverter</a:t>
-            </a:r>
-            <a:r>
-              <a:rPr lang="en-AU" sz="1600" dirty="0">
-                <a:solidFill>
-                  <a:schemeClr val="bg1"/>
-                </a:solidFill>
-              </a:rPr>
-              <a:t> is the emphasis on the social side of learning. The games are focused around group activities and class competitions to engage students better.</a:t>
-            </a:r>
-            <a:endParaRPr lang="en-AU" dirty="0">
+              <a:t>Through the design process, we paper prototyped and tested a sample of teachers and students to get their feedback on how to proceed and improve the concept.</a:t>
+            </a:r>
+          </a:p>
+          <a:p>
+            <a:endParaRPr lang="en-AU" sz="1600" dirty="0">
               <a:solidFill>
                 <a:schemeClr val="bg1"/>
               </a:solidFill>
             </a:endParaRPr>
+          </a:p>
+          <a:p>
+            <a:r>
+              <a:rPr lang="en-AU" sz="1600" dirty="0">
+                <a:solidFill>
+                  <a:schemeClr val="bg1"/>
+                </a:solidFill>
+              </a:rPr>
+              <a:t>For our interactive prototype, we have programmed the Maze game, for up to 4 players, to simulate the social and learning aspect of the application as this is what is innovative about the concept. We have also prototyped and tested the Space game, and decided to make this the main theme of the website.</a:t>
+            </a:r>
+          </a:p>
+          <a:p>
+            <a:endParaRPr lang="en-AU" sz="1600" dirty="0">
+              <a:solidFill>
+                <a:schemeClr val="bg1"/>
+              </a:solidFill>
+            </a:endParaRPr>
+          </a:p>
+          <a:p>
+            <a:r>
+              <a:rPr lang="en-AU" sz="1600" dirty="0">
+                <a:solidFill>
+                  <a:schemeClr val="bg1"/>
+                </a:solidFill>
+              </a:rPr>
+              <a:t>As this is only the prototype and proof of concept, the next step in the process would be to develop more of the games, make the games more suitable for more players, and develop more programming questions for the students to practise on.</a:t>
+            </a:r>
+          </a:p>
+          <a:p>
+            <a:endParaRPr lang="en-AU" sz="1600" dirty="0">
+              <a:solidFill>
+                <a:schemeClr val="bg1"/>
+              </a:solidFill>
+            </a:endParaRPr>
+          </a:p>
+          <a:p>
+            <a:r>
+              <a:rPr lang="en-AU" sz="1600" dirty="0">
+                <a:solidFill>
+                  <a:schemeClr val="bg1"/>
+                </a:solidFill>
+              </a:rPr>
+              <a:t>Another feature we would add to the application would be a levelling and </a:t>
+            </a:r>
+            <a:r>
+              <a:rPr lang="en-AU" sz="1600" dirty="0" err="1">
+                <a:solidFill>
+                  <a:schemeClr val="bg1"/>
+                </a:solidFill>
+              </a:rPr>
+              <a:t>leaderboard</a:t>
+            </a:r>
+            <a:r>
+              <a:rPr lang="en-AU" sz="1600" dirty="0">
+                <a:solidFill>
+                  <a:schemeClr val="bg1"/>
+                </a:solidFill>
+              </a:rPr>
+              <a:t> system, where students can get “Experience” from games which go towards levelling up, which comes with rewards. Having a </a:t>
+            </a:r>
+            <a:r>
+              <a:rPr lang="en-AU" sz="1600" dirty="0" err="1">
+                <a:solidFill>
+                  <a:schemeClr val="bg1"/>
+                </a:solidFill>
+              </a:rPr>
+              <a:t>leaderboard</a:t>
+            </a:r>
+            <a:r>
+              <a:rPr lang="en-AU" sz="1600" dirty="0">
+                <a:solidFill>
+                  <a:schemeClr val="bg1"/>
+                </a:solidFill>
+              </a:rPr>
+              <a:t> system will encourage students to do more problems in their own time in order to get higher on the </a:t>
+            </a:r>
+            <a:r>
+              <a:rPr lang="en-AU" sz="1600" dirty="0" err="1">
+                <a:solidFill>
+                  <a:schemeClr val="bg1"/>
+                </a:solidFill>
+              </a:rPr>
+              <a:t>leaderboard</a:t>
+            </a:r>
+            <a:r>
+              <a:rPr lang="en-AU" sz="1600" dirty="0">
+                <a:solidFill>
+                  <a:schemeClr val="bg1"/>
+                </a:solidFill>
+              </a:rPr>
+              <a:t>.</a:t>
+            </a:r>
           </a:p>
         </p:txBody>
       </p:sp>
@@ -3487,7 +3556,7 @@
         <p:spPr>
           <a:xfrm>
             <a:off x="7822909" y="12625059"/>
-            <a:ext cx="6894656" cy="3539430"/>
+            <a:ext cx="6894656" cy="4031873"/>
           </a:xfrm>
           <a:prstGeom prst="rect">
             <a:avLst/>
@@ -3523,7 +3592,47 @@
                   <a:schemeClr val="bg1"/>
                 </a:solidFill>
               </a:rPr>
-              <a:t>The Student screens give students a range of coding problems they must solve in order to get “moves” which allow them to move around the maze in a race to the centre of the board!</a:t>
+              <a:t>The Student screens give students a</a:t>
+            </a:r>
+          </a:p>
+          <a:p>
+            <a:r>
+              <a:rPr lang="en-AU" sz="1600" dirty="0">
+                <a:solidFill>
+                  <a:schemeClr val="bg1"/>
+                </a:solidFill>
+              </a:rPr>
+              <a:t>range of coding problems they must</a:t>
+            </a:r>
+          </a:p>
+          <a:p>
+            <a:r>
+              <a:rPr lang="en-AU" sz="1600" dirty="0">
+                <a:solidFill>
+                  <a:schemeClr val="bg1"/>
+                </a:solidFill>
+              </a:rPr>
+              <a:t>solve in order to get “moves” which</a:t>
+            </a:r>
+          </a:p>
+          <a:p>
+            <a:r>
+              <a:rPr lang="en-AU" sz="1600" dirty="0">
+                <a:solidFill>
+                  <a:schemeClr val="bg1"/>
+                </a:solidFill>
+              </a:rPr>
+              <a:t>allow them to move around the maze</a:t>
+            </a:r>
+          </a:p>
+          <a:p>
+            <a:r>
+              <a:rPr lang="en-AU" sz="1600" dirty="0">
+                <a:solidFill>
+                  <a:schemeClr val="bg1"/>
+                </a:solidFill>
+              </a:rPr>
+              <a:t>in a race to the centre of the board!</a:t>
             </a:r>
           </a:p>
           <a:p>
@@ -3617,7 +3726,7 @@
         </p:blipFill>
         <p:spPr>
           <a:xfrm>
-            <a:off x="11231415" y="14440941"/>
+            <a:off x="11339512" y="13638683"/>
             <a:ext cx="3486150" cy="2886075"/>
           </a:xfrm>
           <a:prstGeom prst="rect">
@@ -3629,135 +3738,6 @@
     <p:extLst>
       <p:ext uri="{BB962C8B-B14F-4D97-AF65-F5344CB8AC3E}">
         <p14:creationId xmlns:p14="http://schemas.microsoft.com/office/powerpoint/2010/main" val="752594689"/>
-      </p:ext>
-    </p:extLst>
-  </p:cSld>
-  <p:clrMapOvr>
-    <a:masterClrMapping/>
-  </p:clrMapOvr>
-</p:sld>
-</file>
-
-<file path=ppt/slides/slide2.xml><?xml version="1.0" encoding="utf-8"?>
-<p:sld xmlns:a="http://schemas.openxmlformats.org/drawingml/2006/main" xmlns:r="http://schemas.openxmlformats.org/officeDocument/2006/relationships" xmlns:p="http://schemas.openxmlformats.org/presentationml/2006/main">
-  <p:cSld>
-    <p:spTree>
-      <p:nvGrpSpPr>
-        <p:cNvPr id="1" name=""/>
-        <p:cNvGrpSpPr/>
-        <p:nvPr/>
-      </p:nvGrpSpPr>
-      <p:grpSpPr>
-        <a:xfrm>
-          <a:off x="0" y="0"/>
-          <a:ext cx="0" cy="0"/>
-          <a:chOff x="0" y="0"/>
-          <a:chExt cx="0" cy="0"/>
-        </a:xfrm>
-      </p:grpSpPr>
-      <p:sp>
-        <p:nvSpPr>
-          <p:cNvPr id="2" name="Title 1">
-            <a:extLst>
-              <a:ext uri="{FF2B5EF4-FFF2-40B4-BE49-F238E27FC236}">
-                <a16:creationId xmlns:a16="http://schemas.microsoft.com/office/drawing/2014/main" id="{8D1FA8BF-B921-4A15-B8C1-92F351B5319D}"/>
-              </a:ext>
-            </a:extLst>
-          </p:cNvPr>
-          <p:cNvSpPr>
-            <a:spLocks noGrp="1"/>
-          </p:cNvSpPr>
-          <p:nvPr>
-            <p:ph type="title"/>
-          </p:nvPr>
-        </p:nvSpPr>
-        <p:spPr/>
-        <p:txBody>
-          <a:bodyPr/>
-          <a:lstStyle/>
-          <a:p>
-            <a:endParaRPr lang="en-AU"/>
-          </a:p>
-        </p:txBody>
-      </p:sp>
-      <p:sp>
-        <p:nvSpPr>
-          <p:cNvPr id="3" name="Content Placeholder 2">
-            <a:extLst>
-              <a:ext uri="{FF2B5EF4-FFF2-40B4-BE49-F238E27FC236}">
-                <a16:creationId xmlns:a16="http://schemas.microsoft.com/office/drawing/2014/main" id="{A7006EA4-0387-48B0-A205-CDF664A14CC2}"/>
-              </a:ext>
-            </a:extLst>
-          </p:cNvPr>
-          <p:cNvSpPr>
-            <a:spLocks noGrp="1"/>
-          </p:cNvSpPr>
-          <p:nvPr>
-            <p:ph idx="1"/>
-          </p:nvPr>
-        </p:nvSpPr>
-        <p:spPr/>
-        <p:txBody>
-          <a:bodyPr/>
-          <a:lstStyle/>
-          <a:p>
-            <a:r>
-              <a:rPr lang="en-AU" dirty="0"/>
-              <a:t>The poster should be a conference poster - this requires more information than your usual promotional poster and should highlight </a:t>
-            </a:r>
-            <a:r>
-              <a:rPr lang="en-AU" b="1" dirty="0"/>
-              <a:t>the theoretical background/considerations and design process undertaken in addition to describing your solution.</a:t>
-            </a:r>
-          </a:p>
-          <a:p>
-            <a:r>
-              <a:rPr lang="en-AU" dirty="0"/>
-              <a:t>You should describe the domain,</a:t>
-            </a:r>
-          </a:p>
-          <a:p>
-            <a:r>
-              <a:rPr lang="en-AU" dirty="0"/>
-              <a:t>the particular challenge that you are addressing</a:t>
-            </a:r>
-          </a:p>
-          <a:p>
-            <a:r>
-              <a:rPr lang="en-AU" dirty="0"/>
-              <a:t> your solution (the ideal thing),</a:t>
-            </a:r>
-          </a:p>
-          <a:p>
-            <a:r>
-              <a:rPr lang="en-AU" dirty="0"/>
-              <a:t>your representation of the solution (what you ended up with),</a:t>
-            </a:r>
-          </a:p>
-          <a:p>
-            <a:r>
-              <a:rPr lang="en-AU" dirty="0"/>
-              <a:t>the research/design process that got you to where you are now</a:t>
-            </a:r>
-          </a:p>
-          <a:p>
-            <a:r>
-              <a:rPr lang="en-AU" dirty="0"/>
-              <a:t>&amp; future work (acknowledging that your final outcome is a prototype/proof of concept).</a:t>
-            </a:r>
-          </a:p>
-          <a:p>
-            <a:r>
-              <a:rPr lang="en-AU" dirty="0"/>
-              <a:t>A conference poster is allowed to be text-heavy but do consider using dot-points &amp; images to help illustrate your project</a:t>
-            </a:r>
-          </a:p>
-        </p:txBody>
-      </p:sp>
-    </p:spTree>
-    <p:extLst>
-      <p:ext uri="{BB962C8B-B14F-4D97-AF65-F5344CB8AC3E}">
-        <p14:creationId xmlns:p14="http://schemas.microsoft.com/office/powerpoint/2010/main" val="3214411887"/>
       </p:ext>
     </p:extLst>
   </p:cSld>
